--- a/Marketing Presentation.pptx
+++ b/Marketing Presentation.pptx
@@ -110,6 +110,11 @@
       </a:defRPr>
     </a:lvl9pPr>
   </p:defaultTextStyle>
+  <p:extLst>
+    <p:ext uri="{EFAFB233-063F-42B5-8137-9DF3F51BA10A}">
+      <p15:sldGuideLst xmlns:p15="http://schemas.microsoft.com/office/powerpoint/2012/main"/>
+    </p:ext>
+  </p:extLst>
 </p:presentation>
 </file>
 
@@ -8345,7 +8350,7 @@
             </a:pPr>
             <a:r>
               <a:rPr lang="en-US" dirty="0"/>
-              <a:t>Special event was generated for this campaign and the notification was sent on May 29</a:t>
+              <a:t>The notification was sent on May 29</a:t>
             </a:r>
             <a:r>
               <a:rPr lang="en-US" baseline="30000" dirty="0"/>

--- a/Marketing Presentation.pptx
+++ b/Marketing Presentation.pptx
@@ -7688,14 +7688,19 @@
             <p:ph type="title"/>
           </p:nvPr>
         </p:nvSpPr>
-        <p:spPr/>
+        <p:spPr>
+          <a:xfrm>
+            <a:off x="2592925" y="618224"/>
+            <a:ext cx="8911687" cy="1280890"/>
+          </a:xfrm>
+        </p:spPr>
         <p:txBody>
           <a:bodyPr/>
           <a:lstStyle/>
           <a:p>
             <a:r>
               <a:rPr lang="en-US" dirty="0"/>
-              <a:t>First Push Notification Campaign</a:t>
+              <a:t>Review Push Notification Campaign</a:t>
             </a:r>
           </a:p>
         </p:txBody>
@@ -7723,11 +7728,52 @@
         </p:blipFill>
         <p:spPr>
           <a:xfrm>
-            <a:off x="2592925" y="1994452"/>
+            <a:off x="2592925" y="2657061"/>
             <a:ext cx="7997902" cy="4034029"/>
           </a:xfrm>
         </p:spPr>
       </p:pic>
+      <p:sp>
+        <p:nvSpPr>
+          <p:cNvPr id="3" name="TextBox 2">
+            <a:extLst>
+              <a:ext uri="{FF2B5EF4-FFF2-40B4-BE49-F238E27FC236}">
+                <a16:creationId xmlns:a16="http://schemas.microsoft.com/office/drawing/2014/main" id="{E32724E4-26AC-477E-B396-F55704A1B1F5}"/>
+              </a:ext>
+            </a:extLst>
+          </p:cNvPr>
+          <p:cNvSpPr txBox="1"/>
+          <p:nvPr/>
+        </p:nvSpPr>
+        <p:spPr>
+          <a:xfrm>
+            <a:off x="2592926" y="1954922"/>
+            <a:ext cx="7997902" cy="646331"/>
+          </a:xfrm>
+          <a:prstGeom prst="rect">
+            <a:avLst/>
+          </a:prstGeom>
+          <a:noFill/>
+        </p:spPr>
+        <p:txBody>
+          <a:bodyPr wrap="square" rtlCol="0">
+            <a:spAutoFit/>
+          </a:bodyPr>
+          <a:lstStyle/>
+          <a:p>
+            <a:r>
+              <a:rPr lang="en-US" dirty="0"/>
+              <a:t>Motivation: </a:t>
+            </a:r>
+          </a:p>
+          <a:p>
+            <a:r>
+              <a:rPr lang="en-US" dirty="0"/>
+              <a:t>Add review event count was extremely low .</a:t>
+            </a:r>
+          </a:p>
+        </p:txBody>
+      </p:sp>
     </p:spTree>
     <p:extLst>
       <p:ext uri="{BB962C8B-B14F-4D97-AF65-F5344CB8AC3E}">
@@ -7774,22 +7820,22 @@
             <p:ph type="title"/>
           </p:nvPr>
         </p:nvSpPr>
-        <p:spPr/>
-        <p:txBody>
-          <a:bodyPr/>
+        <p:spPr>
+          <a:xfrm>
+            <a:off x="1590261" y="624110"/>
+            <a:ext cx="9914351" cy="846881"/>
+          </a:xfrm>
+        </p:spPr>
+        <p:txBody>
+          <a:bodyPr>
+            <a:normAutofit/>
+          </a:bodyPr>
           <a:lstStyle/>
           <a:p>
             <a:pPr algn="ctr"/>
             <a:r>
               <a:rPr lang="en-US" dirty="0"/>
-              <a:t>First Push Notification Campaign –</a:t>
-            </a:r>
-            <a:br>
-              <a:rPr lang="en-US" dirty="0"/>
-            </a:br>
-            <a:r>
-              <a:rPr lang="en-US" dirty="0"/>
-              <a:t>Motivation &amp; Result</a:t>
+              <a:t>Review Push Notification Campaign Result</a:t>
             </a:r>
           </a:p>
         </p:txBody>
@@ -7808,8 +7854,8 @@
         </p:nvSpPr>
         <p:spPr>
           <a:xfrm>
-            <a:off x="409903" y="2787804"/>
-            <a:ext cx="4445875" cy="2585323"/>
+            <a:off x="1720446" y="1582628"/>
+            <a:ext cx="9653979" cy="646331"/>
           </a:xfrm>
           <a:prstGeom prst="rect">
             <a:avLst/>
@@ -7821,27 +7867,6 @@
             <a:spAutoFit/>
           </a:bodyPr>
           <a:lstStyle/>
-          <a:p>
-            <a:r>
-              <a:rPr lang="en-US" dirty="0"/>
-              <a:t>Motivation: </a:t>
-            </a:r>
-          </a:p>
-          <a:p>
-            <a:r>
-              <a:rPr lang="en-US" dirty="0"/>
-              <a:t>Add review event count was extremely low .</a:t>
-            </a:r>
-          </a:p>
-          <a:p>
-            <a:endParaRPr lang="en-US" dirty="0"/>
-          </a:p>
-          <a:p>
-            <a:r>
-              <a:rPr lang="en-US" dirty="0"/>
-              <a:t>Result:</a:t>
-            </a:r>
-          </a:p>
           <a:p>
             <a:r>
               <a:rPr lang="en-US" dirty="0"/>
@@ -7880,8 +7905,8 @@
         </p:blipFill>
         <p:spPr>
           <a:xfrm>
-            <a:off x="4855778" y="1905000"/>
-            <a:ext cx="6648834" cy="4821600"/>
+            <a:off x="3233530" y="2438400"/>
+            <a:ext cx="6241774" cy="4155677"/>
           </a:xfrm>
           <a:prstGeom prst="rect">
             <a:avLst/>
@@ -7934,14 +7959,19 @@
             <p:ph type="title"/>
           </p:nvPr>
         </p:nvSpPr>
-        <p:spPr/>
+        <p:spPr>
+          <a:xfrm>
+            <a:off x="1789043" y="624110"/>
+            <a:ext cx="9039095" cy="913142"/>
+          </a:xfrm>
+        </p:spPr>
         <p:txBody>
           <a:bodyPr/>
           <a:lstStyle/>
           <a:p>
             <a:r>
               <a:rPr lang="en-US" dirty="0"/>
-              <a:t>Second Push Notification Campaign</a:t>
+              <a:t>Purchase Push Notification Campaign</a:t>
             </a:r>
           </a:p>
         </p:txBody>
@@ -7969,11 +7999,53 @@
         </p:blipFill>
         <p:spPr>
           <a:xfrm>
-            <a:off x="2592925" y="1905000"/>
-            <a:ext cx="8235213" cy="4479235"/>
+            <a:off x="2314629" y="2443613"/>
+            <a:ext cx="7902797" cy="4298430"/>
           </a:xfrm>
         </p:spPr>
       </p:pic>
+      <p:sp>
+        <p:nvSpPr>
+          <p:cNvPr id="3" name="TextBox 2">
+            <a:extLst>
+              <a:ext uri="{FF2B5EF4-FFF2-40B4-BE49-F238E27FC236}">
+                <a16:creationId xmlns:a16="http://schemas.microsoft.com/office/drawing/2014/main" id="{ED884F4F-7D3C-41A9-B599-0959E5B9B983}"/>
+              </a:ext>
+            </a:extLst>
+          </p:cNvPr>
+          <p:cNvSpPr txBox="1"/>
+          <p:nvPr/>
+        </p:nvSpPr>
+        <p:spPr>
+          <a:xfrm>
+            <a:off x="2314629" y="1667267"/>
+            <a:ext cx="7902797" cy="646331"/>
+          </a:xfrm>
+          <a:prstGeom prst="rect">
+            <a:avLst/>
+          </a:prstGeom>
+          <a:noFill/>
+        </p:spPr>
+        <p:txBody>
+          <a:bodyPr wrap="square" rtlCol="0">
+            <a:spAutoFit/>
+          </a:bodyPr>
+          <a:lstStyle/>
+          <a:p>
+            <a:r>
+              <a:rPr lang="en-US"/>
+              <a:t>Motivation:</a:t>
+            </a:r>
+          </a:p>
+          <a:p>
+            <a:r>
+              <a:rPr lang="en-US"/>
+              <a:t>3 days in a row the purchase event count was 0.</a:t>
+            </a:r>
+            <a:endParaRPr lang="en-US" dirty="0"/>
+          </a:p>
+        </p:txBody>
+      </p:sp>
     </p:spTree>
     <p:extLst>
       <p:ext uri="{BB962C8B-B14F-4D97-AF65-F5344CB8AC3E}">
@@ -8020,7 +8092,12 @@
             <p:ph type="title"/>
           </p:nvPr>
         </p:nvSpPr>
-        <p:spPr/>
+        <p:spPr>
+          <a:xfrm>
+            <a:off x="1457739" y="624110"/>
+            <a:ext cx="10267230" cy="780620"/>
+          </a:xfrm>
+        </p:spPr>
         <p:txBody>
           <a:bodyPr/>
           <a:lstStyle/>
@@ -8028,14 +8105,7 @@
             <a:pPr algn="ctr"/>
             <a:r>
               <a:rPr lang="en-US" dirty="0"/>
-              <a:t>Second Push Notification Campaign-</a:t>
-            </a:r>
-            <a:br>
-              <a:rPr lang="en-US" dirty="0"/>
-            </a:br>
-            <a:r>
-              <a:rPr lang="en-US" dirty="0"/>
-              <a:t>Motivation &amp; Result</a:t>
+              <a:t>Purchase Push Notification Campaign Result</a:t>
             </a:r>
           </a:p>
         </p:txBody>
@@ -8064,8 +8134,8 @@
         </p:blipFill>
         <p:spPr>
           <a:xfrm>
-            <a:off x="4955458" y="1905000"/>
-            <a:ext cx="6769511" cy="4816024"/>
+            <a:off x="3080702" y="2430686"/>
+            <a:ext cx="6235575" cy="4290337"/>
           </a:xfrm>
           <a:prstGeom prst="rect">
             <a:avLst/>
@@ -8086,8 +8156,8 @@
         </p:nvSpPr>
         <p:spPr>
           <a:xfrm flipH="1">
-            <a:off x="827384" y="2389239"/>
-            <a:ext cx="3553123" cy="2862322"/>
+            <a:off x="1609261" y="1404730"/>
+            <a:ext cx="9376791" cy="1200329"/>
           </a:xfrm>
           <a:prstGeom prst="rect">
             <a:avLst/>
@@ -8100,25 +8170,7 @@
           </a:bodyPr>
           <a:lstStyle/>
           <a:p>
-            <a:r>
-              <a:rPr lang="en-US" dirty="0"/>
-              <a:t>Motivation:</a:t>
-            </a:r>
-          </a:p>
-          <a:p>
-            <a:r>
-              <a:rPr lang="en-US" dirty="0"/>
-              <a:t>3 days in a row the purchase event count was 0.</a:t>
-            </a:r>
-          </a:p>
-          <a:p>
             <a:endParaRPr lang="en-US" dirty="0"/>
-          </a:p>
-          <a:p>
-            <a:r>
-              <a:rPr lang="en-US" dirty="0"/>
-              <a:t>Result:</a:t>
-            </a:r>
           </a:p>
           <a:p>
             <a:r>
@@ -8185,14 +8237,19 @@
             <p:ph type="title"/>
           </p:nvPr>
         </p:nvSpPr>
-        <p:spPr/>
+        <p:spPr>
+          <a:xfrm>
+            <a:off x="1736035" y="624110"/>
+            <a:ext cx="9768577" cy="780620"/>
+          </a:xfrm>
+        </p:spPr>
         <p:txBody>
           <a:bodyPr/>
           <a:lstStyle/>
           <a:p>
             <a:r>
               <a:rPr lang="en-US" dirty="0"/>
-              <a:t>Third Push Notification Campaign</a:t>
+              <a:t>Advertising Push Notification Campaign</a:t>
             </a:r>
           </a:p>
         </p:txBody>
@@ -8220,11 +8277,53 @@
         </p:blipFill>
         <p:spPr>
           <a:xfrm>
-            <a:off x="2592925" y="1905000"/>
-            <a:ext cx="8199141" cy="4492487"/>
+            <a:off x="2380890" y="2382310"/>
+            <a:ext cx="7982310" cy="4373681"/>
           </a:xfrm>
         </p:spPr>
       </p:pic>
+      <p:sp>
+        <p:nvSpPr>
+          <p:cNvPr id="3" name="TextBox 2">
+            <a:extLst>
+              <a:ext uri="{FF2B5EF4-FFF2-40B4-BE49-F238E27FC236}">
+                <a16:creationId xmlns:a16="http://schemas.microsoft.com/office/drawing/2014/main" id="{92CEE0CF-DDD6-43BE-97D8-71F1A8E699A2}"/>
+              </a:ext>
+            </a:extLst>
+          </p:cNvPr>
+          <p:cNvSpPr txBox="1"/>
+          <p:nvPr/>
+        </p:nvSpPr>
+        <p:spPr>
+          <a:xfrm flipH="1">
+            <a:off x="2254595" y="1642519"/>
+            <a:ext cx="9250017" cy="646331"/>
+          </a:xfrm>
+          <a:prstGeom prst="rect">
+            <a:avLst/>
+          </a:prstGeom>
+          <a:noFill/>
+        </p:spPr>
+        <p:txBody>
+          <a:bodyPr wrap="square" rtlCol="0">
+            <a:spAutoFit/>
+          </a:bodyPr>
+          <a:lstStyle/>
+          <a:p>
+            <a:r>
+              <a:rPr lang="en-US"/>
+              <a:t>Motivation:</a:t>
+            </a:r>
+          </a:p>
+          <a:p>
+            <a:r>
+              <a:rPr lang="en-US"/>
+              <a:t>Was paid by the publisher of this dares for advertising and sales promotion.</a:t>
+            </a:r>
+            <a:endParaRPr lang="en-US" dirty="0"/>
+          </a:p>
+        </p:txBody>
+      </p:sp>
     </p:spTree>
     <p:extLst>
       <p:ext uri="{BB962C8B-B14F-4D97-AF65-F5344CB8AC3E}">
@@ -8271,22 +8370,22 @@
             <p:ph type="title"/>
           </p:nvPr>
         </p:nvSpPr>
-        <p:spPr/>
-        <p:txBody>
-          <a:bodyPr/>
+        <p:spPr>
+          <a:xfrm>
+            <a:off x="1285461" y="624110"/>
+            <a:ext cx="10906538" cy="873386"/>
+          </a:xfrm>
+        </p:spPr>
+        <p:txBody>
+          <a:bodyPr>
+            <a:normAutofit/>
+          </a:bodyPr>
           <a:lstStyle/>
           <a:p>
             <a:pPr algn="ctr"/>
             <a:r>
               <a:rPr lang="en-US" dirty="0"/>
-              <a:t>Third Push Notification Campaign-</a:t>
-            </a:r>
-            <a:br>
-              <a:rPr lang="en-US" dirty="0"/>
-            </a:br>
-            <a:r>
-              <a:rPr lang="en-US" dirty="0"/>
-              <a:t>Motivation &amp; Result</a:t>
+              <a:t>Advertising Push Notification Campaign Result</a:t>
             </a:r>
           </a:p>
         </p:txBody>
@@ -8315,34 +8414,7 @@
             <a:pPr marL="0" indent="0">
               <a:buNone/>
             </a:pPr>
-            <a:r>
-              <a:rPr lang="en-US" dirty="0"/>
-              <a:t>Motivation:</a:t>
-            </a:r>
-          </a:p>
-          <a:p>
-            <a:pPr marL="0" indent="0">
-              <a:buNone/>
-            </a:pPr>
-            <a:r>
-              <a:rPr lang="en-US" dirty="0"/>
-              <a:t>Was paid by the publisher of this dares for advertising and sales promotion.</a:t>
-            </a:r>
-          </a:p>
-          <a:p>
-            <a:pPr marL="0" indent="0">
-              <a:buNone/>
-            </a:pPr>
             <a:endParaRPr lang="en-US" dirty="0"/>
-          </a:p>
-          <a:p>
-            <a:pPr marL="0" indent="0">
-              <a:buNone/>
-            </a:pPr>
-            <a:r>
-              <a:rPr lang="en-US" dirty="0"/>
-              <a:t>Result:</a:t>
-            </a:r>
           </a:p>
           <a:p>
             <a:pPr marL="0" indent="0">
@@ -8358,7 +8430,7 @@
             </a:r>
             <a:r>
               <a:rPr lang="en-US" dirty="0"/>
-              <a:t> (today). We will see the results only tomorrow but be are convinced that this campaign reached the goal like the campaigns before him </a:t>
+              <a:t> (today). We will see the results only tomorrow but we are convinced that this campaign reached the goal like the campaigns before him </a:t>
             </a:r>
             <a:r>
               <a:rPr lang="en-US" dirty="0">
